--- a/Presentation.pptx
+++ b/Presentation.pptx
@@ -3798,7 +3798,7 @@
         <p:spPr>
           <a:xfrm>
             <a:off x="666750" y="1564391"/>
-            <a:ext cx="8324850" cy="2554545"/>
+            <a:ext cx="8324850" cy="4093428"/>
           </a:xfrm>
           <a:prstGeom prst="rect">
             <a:avLst/>
@@ -3854,6 +3854,36 @@
             <a:r>
               <a:rPr lang="en-US" sz="2000" dirty="0"/>
               <a:t>User-friendly interface and detailed reporting.</a:t>
+            </a:r>
+          </a:p>
+          <a:p>
+            <a:pPr>
+              <a:buFont typeface="Arial" panose="020B0604020202020204" pitchFamily="34" charset="0"/>
+              <a:buChar char="•"/>
+            </a:pPr>
+            <a:endParaRPr lang="en-US" sz="2000" dirty="0"/>
+          </a:p>
+          <a:p>
+            <a:pPr>
+              <a:buFont typeface="Arial" panose="020B0604020202020204" pitchFamily="34" charset="0"/>
+              <a:buChar char="•"/>
+            </a:pPr>
+            <a:endParaRPr lang="en-US" sz="2000" dirty="0"/>
+          </a:p>
+          <a:p>
+            <a:pPr>
+              <a:buFont typeface="Arial" panose="020B0604020202020204" pitchFamily="34" charset="0"/>
+              <a:buChar char="•"/>
+            </a:pPr>
+            <a:endParaRPr lang="en-US" sz="2000" dirty="0"/>
+          </a:p>
+          <a:p>
+            <a:endParaRPr lang="en-US" sz="2000" dirty="0"/>
+          </a:p>
+          <a:p>
+            <a:r>
+              <a:rPr lang="en-US" sz="2000" dirty="0"/>
+              <a:t>Solution: https://github.com/05komal/Key-Logger.git</a:t>
             </a:r>
           </a:p>
           <a:p>
